--- a/ppt/08-SpringRest.pptx
+++ b/ppt/08-SpringRest.pptx
@@ -574,7 +574,7 @@
         <p:nvSpPr>
           <p:cNvPr id="2052" name="Rectangle 4"/>
           <p:cNvSpPr>
-            <a:spLocks noChangeArrowheads="1" noTextEdit="1"/>
+            <a:spLocks noGrp="1" noRot="1" noChangeAspect="1" noChangeArrowheads="1" noTextEdit="1"/>
           </p:cNvSpPr>
           <p:nvPr>
             <p:ph type="sldImg" idx="2"/>
@@ -7374,6 +7374,47 @@
           </a:extLst>
         </p:spPr>
       </p:pic>
+      <p:pic>
+        <p:nvPicPr>
+          <p:cNvPr id="24578" name="Picture 2" descr="https://miro.medium.com/max/1596/1*rk90QZ30GTAVGd-34lgehg.png"/>
+          <p:cNvPicPr>
+            <a:picLocks noChangeAspect="1" noChangeArrowheads="1"/>
+          </p:cNvPicPr>
+          <p:nvPr/>
+        </p:nvPicPr>
+        <p:blipFill>
+          <a:blip r:embed="rId3">
+            <a:extLst>
+              <a:ext uri="{28A0092B-C50C-407E-A947-70E740481C1C}">
+                <a14:useLocalDpi xmlns:a14="http://schemas.microsoft.com/office/drawing/2010/main" val="0"/>
+              </a:ext>
+            </a:extLst>
+          </a:blip>
+          <a:srcRect/>
+          <a:stretch>
+            <a:fillRect/>
+          </a:stretch>
+        </p:blipFill>
+        <p:spPr bwMode="auto">
+          <a:xfrm>
+            <a:off x="1635315" y="1412776"/>
+            <a:ext cx="6144617" cy="2295210"/>
+          </a:xfrm>
+          <a:prstGeom prst="rect">
+            <a:avLst/>
+          </a:prstGeom>
+          <a:noFill/>
+          <a:extLst>
+            <a:ext uri="{909E8E84-426E-40DD-AFC4-6F175D3DCCD1}">
+              <a14:hiddenFill xmlns:a14="http://schemas.microsoft.com/office/drawing/2010/main">
+                <a:solidFill>
+                  <a:srgbClr val="FFFFFF"/>
+                </a:solidFill>
+              </a14:hiddenFill>
+            </a:ext>
+          </a:extLst>
+        </p:spPr>
+      </p:pic>
     </p:spTree>
   </p:cSld>
   <p:clrMapOvr>
@@ -7681,7 +7722,7 @@
           <a:graphicData uri="http://schemas.openxmlformats.org/presentationml/2006/ole">
             <mc:AlternateContent xmlns:mc="http://schemas.openxmlformats.org/markup-compatibility/2006">
               <mc:Choice xmlns:v="urn:schemas-microsoft-com:vml" Requires="v">
-                <p:oleObj spid="_x0000_s23558" name="Visio" r:id="rId5" imgW="3391939" imgH="2771706" progId="">
+                <p:oleObj spid="_x0000_s23560" name="Visio" r:id="rId5" imgW="3391939" imgH="2771706" progId="">
                   <p:embed/>
                 </p:oleObj>
               </mc:Choice>
@@ -7764,7 +7805,7 @@
           <a:graphicData uri="http://schemas.openxmlformats.org/presentationml/2006/ole">
             <mc:AlternateContent xmlns:mc="http://schemas.openxmlformats.org/markup-compatibility/2006">
               <mc:Choice xmlns:v="urn:schemas-microsoft-com:vml" Requires="v">
-                <p:oleObj spid="_x0000_s23559" name="Visio" r:id="rId7" imgW="4644189" imgH="2187953" progId="">
+                <p:oleObj spid="_x0000_s23561" name="Visio" r:id="rId7" imgW="4644189" imgH="2187953" progId="">
                   <p:embed/>
                 </p:oleObj>
               </mc:Choice>
@@ -9446,6 +9487,47 @@
           </a:extLst>
         </p:spPr>
       </p:pic>
+      <p:pic>
+        <p:nvPicPr>
+          <p:cNvPr id="5" name="Picture 2" descr="https://miro.medium.com/max/1596/1*rk90QZ30GTAVGd-34lgehg.png"/>
+          <p:cNvPicPr>
+            <a:picLocks noChangeAspect="1" noChangeArrowheads="1"/>
+          </p:cNvPicPr>
+          <p:nvPr/>
+        </p:nvPicPr>
+        <p:blipFill>
+          <a:blip r:embed="rId3" cstate="print">
+            <a:extLst>
+              <a:ext uri="{28A0092B-C50C-407E-A947-70E740481C1C}">
+                <a14:useLocalDpi xmlns:a14="http://schemas.microsoft.com/office/drawing/2010/main" val="0"/>
+              </a:ext>
+            </a:extLst>
+          </a:blip>
+          <a:srcRect/>
+          <a:stretch>
+            <a:fillRect/>
+          </a:stretch>
+        </p:blipFill>
+        <p:spPr bwMode="auto">
+          <a:xfrm>
+            <a:off x="2493219" y="-3204"/>
+            <a:ext cx="4586188" cy="1713087"/>
+          </a:xfrm>
+          <a:prstGeom prst="rect">
+            <a:avLst/>
+          </a:prstGeom>
+          <a:noFill/>
+          <a:extLst>
+            <a:ext uri="{909E8E84-426E-40DD-AFC4-6F175D3DCCD1}">
+              <a14:hiddenFill xmlns:a14="http://schemas.microsoft.com/office/drawing/2010/main">
+                <a:solidFill>
+                  <a:srgbClr val="FFFFFF"/>
+                </a:solidFill>
+              </a14:hiddenFill>
+            </a:ext>
+          </a:extLst>
+        </p:spPr>
+      </p:pic>
     </p:spTree>
   </p:cSld>
   <p:clrMapOvr>
@@ -10232,6 +10314,47 @@
           </a:p>
         </p:txBody>
       </p:sp>
+      <p:pic>
+        <p:nvPicPr>
+          <p:cNvPr id="4" name="Picture 2" descr="https://miro.medium.com/max/1596/1*rk90QZ30GTAVGd-34lgehg.png"/>
+          <p:cNvPicPr>
+            <a:picLocks noChangeAspect="1" noChangeArrowheads="1"/>
+          </p:cNvPicPr>
+          <p:nvPr/>
+        </p:nvPicPr>
+        <p:blipFill>
+          <a:blip r:embed="rId2" cstate="print">
+            <a:extLst>
+              <a:ext uri="{28A0092B-C50C-407E-A947-70E740481C1C}">
+                <a14:useLocalDpi xmlns:a14="http://schemas.microsoft.com/office/drawing/2010/main" val="0"/>
+              </a:ext>
+            </a:extLst>
+          </a:blip>
+          <a:srcRect/>
+          <a:stretch>
+            <a:fillRect/>
+          </a:stretch>
+        </p:blipFill>
+        <p:spPr bwMode="auto">
+          <a:xfrm>
+            <a:off x="5436096" y="3717032"/>
+            <a:ext cx="3240360" cy="1210377"/>
+          </a:xfrm>
+          <a:prstGeom prst="rect">
+            <a:avLst/>
+          </a:prstGeom>
+          <a:noFill/>
+          <a:extLst>
+            <a:ext uri="{909E8E84-426E-40DD-AFC4-6F175D3DCCD1}">
+              <a14:hiddenFill xmlns:a14="http://schemas.microsoft.com/office/drawing/2010/main">
+                <a:solidFill>
+                  <a:srgbClr val="FFFFFF"/>
+                </a:solidFill>
+              </a14:hiddenFill>
+            </a:ext>
+          </a:extLst>
+        </p:spPr>
+      </p:pic>
     </p:spTree>
   </p:cSld>
   <p:clrMapOvr>
